--- a/IOT/Teck Ghee Horizon/467/467.pptx
+++ b/IOT/Teck Ghee Horizon/467/467.pptx
@@ -203,7 +203,7 @@
           <a:p>
             <a:fld id="{C8FF2052-032B-48F4-9870-F6486F2A5515}" type="datetimeFigureOut">
               <a:rPr lang="en-US" smtClean="0"/>
-              <a:t>10/3/2024</a:t>
+              <a:t>10/22/2024</a:t>
             </a:fld>
             <a:endParaRPr lang="en-US"/>
           </a:p>
@@ -701,7 +701,7 @@
           <a:p>
             <a:fld id="{484A7304-5407-43DA-8707-3BFFE8D5132F}" type="datetimeFigureOut">
               <a:rPr lang="en-US" smtClean="0"/>
-              <a:t>10/3/2024</a:t>
+              <a:t>10/22/2024</a:t>
             </a:fld>
             <a:endParaRPr lang="en-US"/>
           </a:p>
@@ -899,7 +899,7 @@
           <a:p>
             <a:fld id="{484A7304-5407-43DA-8707-3BFFE8D5132F}" type="datetimeFigureOut">
               <a:rPr lang="en-US" smtClean="0"/>
-              <a:t>10/3/2024</a:t>
+              <a:t>10/22/2024</a:t>
             </a:fld>
             <a:endParaRPr lang="en-US"/>
           </a:p>
@@ -1107,7 +1107,7 @@
           <a:p>
             <a:fld id="{484A7304-5407-43DA-8707-3BFFE8D5132F}" type="datetimeFigureOut">
               <a:rPr lang="en-US" smtClean="0"/>
-              <a:t>10/3/2024</a:t>
+              <a:t>10/22/2024</a:t>
             </a:fld>
             <a:endParaRPr lang="en-US"/>
           </a:p>
@@ -1305,7 +1305,7 @@
           <a:p>
             <a:fld id="{484A7304-5407-43DA-8707-3BFFE8D5132F}" type="datetimeFigureOut">
               <a:rPr lang="en-US" smtClean="0"/>
-              <a:t>10/3/2024</a:t>
+              <a:t>10/22/2024</a:t>
             </a:fld>
             <a:endParaRPr lang="en-US"/>
           </a:p>
@@ -1580,7 +1580,7 @@
           <a:p>
             <a:fld id="{484A7304-5407-43DA-8707-3BFFE8D5132F}" type="datetimeFigureOut">
               <a:rPr lang="en-US" smtClean="0"/>
-              <a:t>10/3/2024</a:t>
+              <a:t>10/22/2024</a:t>
             </a:fld>
             <a:endParaRPr lang="en-US"/>
           </a:p>
@@ -1845,7 +1845,7 @@
           <a:p>
             <a:fld id="{484A7304-5407-43DA-8707-3BFFE8D5132F}" type="datetimeFigureOut">
               <a:rPr lang="en-US" smtClean="0"/>
-              <a:t>10/3/2024</a:t>
+              <a:t>10/22/2024</a:t>
             </a:fld>
             <a:endParaRPr lang="en-US"/>
           </a:p>
@@ -2257,7 +2257,7 @@
           <a:p>
             <a:fld id="{484A7304-5407-43DA-8707-3BFFE8D5132F}" type="datetimeFigureOut">
               <a:rPr lang="en-US" smtClean="0"/>
-              <a:t>10/3/2024</a:t>
+              <a:t>10/22/2024</a:t>
             </a:fld>
             <a:endParaRPr lang="en-US"/>
           </a:p>
@@ -2398,7 +2398,7 @@
           <a:p>
             <a:fld id="{484A7304-5407-43DA-8707-3BFFE8D5132F}" type="datetimeFigureOut">
               <a:rPr lang="en-US" smtClean="0"/>
-              <a:t>10/3/2024</a:t>
+              <a:t>10/22/2024</a:t>
             </a:fld>
             <a:endParaRPr lang="en-US"/>
           </a:p>
@@ -2511,7 +2511,7 @@
           <a:p>
             <a:fld id="{484A7304-5407-43DA-8707-3BFFE8D5132F}" type="datetimeFigureOut">
               <a:rPr lang="en-US" smtClean="0"/>
-              <a:t>10/3/2024</a:t>
+              <a:t>10/22/2024</a:t>
             </a:fld>
             <a:endParaRPr lang="en-US"/>
           </a:p>
@@ -2822,7 +2822,7 @@
           <a:p>
             <a:fld id="{484A7304-5407-43DA-8707-3BFFE8D5132F}" type="datetimeFigureOut">
               <a:rPr lang="en-US" smtClean="0"/>
-              <a:t>10/3/2024</a:t>
+              <a:t>10/22/2024</a:t>
             </a:fld>
             <a:endParaRPr lang="en-US"/>
           </a:p>
@@ -3110,7 +3110,7 @@
           <a:p>
             <a:fld id="{484A7304-5407-43DA-8707-3BFFE8D5132F}" type="datetimeFigureOut">
               <a:rPr lang="en-US" smtClean="0"/>
-              <a:t>10/3/2024</a:t>
+              <a:t>10/22/2024</a:t>
             </a:fld>
             <a:endParaRPr lang="en-US"/>
           </a:p>
@@ -3351,7 +3351,7 @@
           <a:p>
             <a:fld id="{484A7304-5407-43DA-8707-3BFFE8D5132F}" type="datetimeFigureOut">
               <a:rPr lang="en-US" smtClean="0"/>
-              <a:t>10/3/2024</a:t>
+              <a:t>10/22/2024</a:t>
             </a:fld>
             <a:endParaRPr lang="en-US"/>
           </a:p>
@@ -11480,73 +11480,6 @@
           <a:chExt cx="0" cy="0"/>
         </a:xfrm>
       </p:grpSpPr>
-      <p:sp>
-        <p:nvSpPr>
-          <p:cNvPr id="2" name="TextBox 1">
-            <a:extLst>
-              <a:ext uri="{FF2B5EF4-FFF2-40B4-BE49-F238E27FC236}">
-                <a16:creationId xmlns:a16="http://schemas.microsoft.com/office/drawing/2014/main" id="{8AAB0AB2-9132-EC5B-52FA-7BEDEEF3550C}"/>
-              </a:ext>
-            </a:extLst>
-          </p:cNvPr>
-          <p:cNvSpPr txBox="1"/>
-          <p:nvPr/>
-        </p:nvSpPr>
-        <p:spPr>
-          <a:xfrm>
-            <a:off x="414203" y="5980742"/>
-            <a:ext cx="5642255" cy="707886"/>
-          </a:xfrm>
-          <a:prstGeom prst="rect">
-            <a:avLst/>
-          </a:prstGeom>
-          <a:noFill/>
-        </p:spPr>
-        <p:txBody>
-          <a:bodyPr wrap="square" rtlCol="0">
-            <a:spAutoFit/>
-          </a:bodyPr>
-          <a:lstStyle/>
-          <a:p>
-            <a:r>
-              <a:rPr lang="en-US" sz="2000" b="1" dirty="0"/>
-              <a:t>Block 467</a:t>
-            </a:r>
-            <a:br>
-              <a:rPr lang="en-US" sz="2000" b="1" dirty="0"/>
-            </a:br>
-            <a:r>
-              <a:rPr lang="en-US" sz="2000" b="1" dirty="0"/>
-              <a:t>5</a:t>
-            </a:r>
-            <a:r>
-              <a:rPr lang="en-US" sz="2000" b="1" baseline="30000" dirty="0"/>
-              <a:t>th</a:t>
-            </a:r>
-            <a:r>
-              <a:rPr lang="en-US" sz="2000" b="1" dirty="0"/>
-              <a:t>, 9</a:t>
-            </a:r>
-            <a:r>
-              <a:rPr lang="en-US" sz="2000" b="1" baseline="30000" dirty="0"/>
-              <a:t>th</a:t>
-            </a:r>
-            <a:r>
-              <a:rPr lang="en-US" sz="2000" b="1" dirty="0"/>
-              <a:t> AND 13</a:t>
-            </a:r>
-            <a:r>
-              <a:rPr lang="en-US" sz="2000" b="1" baseline="30000" dirty="0"/>
-              <a:t>th</a:t>
-            </a:r>
-            <a:r>
-              <a:rPr lang="en-US" sz="2000" b="1" dirty="0"/>
-              <a:t> STOREY FLOOR PLAN</a:t>
-            </a:r>
-            <a:endParaRPr lang="en-US" sz="2000" b="1" baseline="30000" dirty="0"/>
-          </a:p>
-        </p:txBody>
-      </p:sp>
       <p:pic>
         <p:nvPicPr>
           <p:cNvPr id="5" name="Picture 4">
@@ -11582,6 +11515,105 @@
           </a:prstGeom>
         </p:spPr>
       </p:pic>
+      <p:sp>
+        <p:nvSpPr>
+          <p:cNvPr id="3" name="TextBox 2">
+            <a:extLst>
+              <a:ext uri="{FF2B5EF4-FFF2-40B4-BE49-F238E27FC236}">
+                <a16:creationId xmlns:a16="http://schemas.microsoft.com/office/drawing/2014/main" id="{E3587739-3FEA-7DEE-1A51-19C9C2B39609}"/>
+              </a:ext>
+            </a:extLst>
+          </p:cNvPr>
+          <p:cNvSpPr txBox="1"/>
+          <p:nvPr/>
+        </p:nvSpPr>
+        <p:spPr>
+          <a:xfrm>
+            <a:off x="414203" y="5980742"/>
+            <a:ext cx="7379968" cy="707886"/>
+          </a:xfrm>
+          <a:prstGeom prst="rect">
+            <a:avLst/>
+          </a:prstGeom>
+          <a:noFill/>
+        </p:spPr>
+        <p:txBody>
+          <a:bodyPr wrap="square" rtlCol="0">
+            <a:spAutoFit/>
+          </a:bodyPr>
+          <a:lstStyle/>
+          <a:p>
+            <a:r>
+              <a:rPr lang="en-US" sz="2000" b="1" dirty="0"/>
+              <a:t>Block 467</a:t>
+            </a:r>
+            <a:br>
+              <a:rPr lang="en-US" sz="2000" b="1" dirty="0"/>
+            </a:br>
+            <a:r>
+              <a:rPr lang="en-US" sz="2000" b="1" dirty="0"/>
+              <a:t>2</a:t>
+            </a:r>
+            <a:r>
+              <a:rPr lang="en-US" sz="2000" b="1" baseline="30000" dirty="0"/>
+              <a:t>nd</a:t>
+            </a:r>
+            <a:r>
+              <a:rPr lang="en-US" sz="2000" b="1" dirty="0"/>
+              <a:t>  TO 4</a:t>
+            </a:r>
+            <a:r>
+              <a:rPr lang="en-US" sz="2000" b="1" baseline="30000" dirty="0"/>
+              <a:t>th</a:t>
+            </a:r>
+            <a:r>
+              <a:rPr lang="en-US" sz="2000" b="1" dirty="0"/>
+              <a:t> , 6</a:t>
+            </a:r>
+            <a:r>
+              <a:rPr lang="en-US" sz="2000" b="1" baseline="30000" dirty="0"/>
+              <a:t>th</a:t>
+            </a:r>
+            <a:r>
+              <a:rPr lang="en-US" sz="2000" b="1" dirty="0"/>
+              <a:t> TO 8</a:t>
+            </a:r>
+            <a:r>
+              <a:rPr lang="en-US" sz="2000" b="1" baseline="30000" dirty="0"/>
+              <a:t>th</a:t>
+            </a:r>
+            <a:r>
+              <a:rPr lang="en-US" sz="2000" b="1" dirty="0"/>
+              <a:t> , 10</a:t>
+            </a:r>
+            <a:r>
+              <a:rPr lang="en-US" sz="2000" b="1" baseline="30000" dirty="0"/>
+              <a:t>th</a:t>
+            </a:r>
+            <a:r>
+              <a:rPr lang="en-US" sz="2000" b="1" dirty="0"/>
+              <a:t> TO 12</a:t>
+            </a:r>
+            <a:r>
+              <a:rPr lang="en-US" sz="2000" b="1" baseline="30000" dirty="0"/>
+              <a:t>th</a:t>
+            </a:r>
+            <a:r>
+              <a:rPr lang="en-US" sz="2000" b="1" dirty="0"/>
+              <a:t> AND 14</a:t>
+            </a:r>
+            <a:r>
+              <a:rPr lang="en-US" sz="2000" b="1" baseline="30000" dirty="0"/>
+              <a:t>th</a:t>
+            </a:r>
+            <a:r>
+              <a:rPr lang="en-US" sz="2000" b="1" dirty="0"/>
+              <a:t> STOREY FLOOR PLAN</a:t>
+            </a:r>
+            <a:endParaRPr lang="en-US" sz="2000" b="1" baseline="30000" dirty="0"/>
+          </a:p>
+        </p:txBody>
+      </p:sp>
     </p:spTree>
     <p:extLst>
       <p:ext uri="{BB962C8B-B14F-4D97-AF65-F5344CB8AC3E}">
@@ -19008,105 +19040,6 @@
           <a:chExt cx="0" cy="0"/>
         </a:xfrm>
       </p:grpSpPr>
-      <p:sp>
-        <p:nvSpPr>
-          <p:cNvPr id="2" name="TextBox 1">
-            <a:extLst>
-              <a:ext uri="{FF2B5EF4-FFF2-40B4-BE49-F238E27FC236}">
-                <a16:creationId xmlns:a16="http://schemas.microsoft.com/office/drawing/2014/main" id="{A23CB588-F0A5-E533-BA9D-E8F5149C059E}"/>
-              </a:ext>
-            </a:extLst>
-          </p:cNvPr>
-          <p:cNvSpPr txBox="1"/>
-          <p:nvPr/>
-        </p:nvSpPr>
-        <p:spPr>
-          <a:xfrm>
-            <a:off x="414203" y="5980742"/>
-            <a:ext cx="7379968" cy="707886"/>
-          </a:xfrm>
-          <a:prstGeom prst="rect">
-            <a:avLst/>
-          </a:prstGeom>
-          <a:noFill/>
-        </p:spPr>
-        <p:txBody>
-          <a:bodyPr wrap="square" rtlCol="0">
-            <a:spAutoFit/>
-          </a:bodyPr>
-          <a:lstStyle/>
-          <a:p>
-            <a:r>
-              <a:rPr lang="en-US" sz="2000" b="1" dirty="0"/>
-              <a:t>Block 467</a:t>
-            </a:r>
-            <a:br>
-              <a:rPr lang="en-US" sz="2000" b="1" dirty="0"/>
-            </a:br>
-            <a:r>
-              <a:rPr lang="en-US" sz="2000" b="1" dirty="0"/>
-              <a:t>2</a:t>
-            </a:r>
-            <a:r>
-              <a:rPr lang="en-US" sz="2000" b="1" baseline="30000" dirty="0"/>
-              <a:t>nd</a:t>
-            </a:r>
-            <a:r>
-              <a:rPr lang="en-US" sz="2000" b="1" dirty="0"/>
-              <a:t>  TO 4</a:t>
-            </a:r>
-            <a:r>
-              <a:rPr lang="en-US" sz="2000" b="1" baseline="30000" dirty="0"/>
-              <a:t>th</a:t>
-            </a:r>
-            <a:r>
-              <a:rPr lang="en-US" sz="2000" b="1" dirty="0"/>
-              <a:t> , 6</a:t>
-            </a:r>
-            <a:r>
-              <a:rPr lang="en-US" sz="2000" b="1" baseline="30000" dirty="0"/>
-              <a:t>th</a:t>
-            </a:r>
-            <a:r>
-              <a:rPr lang="en-US" sz="2000" b="1" dirty="0"/>
-              <a:t> TO 8</a:t>
-            </a:r>
-            <a:r>
-              <a:rPr lang="en-US" sz="2000" b="1" baseline="30000" dirty="0"/>
-              <a:t>th</a:t>
-            </a:r>
-            <a:r>
-              <a:rPr lang="en-US" sz="2000" b="1" dirty="0"/>
-              <a:t> , 10</a:t>
-            </a:r>
-            <a:r>
-              <a:rPr lang="en-US" sz="2000" b="1" baseline="30000" dirty="0"/>
-              <a:t>th</a:t>
-            </a:r>
-            <a:r>
-              <a:rPr lang="en-US" sz="2000" b="1" dirty="0"/>
-              <a:t> TO 12</a:t>
-            </a:r>
-            <a:r>
-              <a:rPr lang="en-US" sz="2000" b="1" baseline="30000" dirty="0"/>
-              <a:t>th</a:t>
-            </a:r>
-            <a:r>
-              <a:rPr lang="en-US" sz="2000" b="1" dirty="0"/>
-              <a:t> AND 14</a:t>
-            </a:r>
-            <a:r>
-              <a:rPr lang="en-US" sz="2000" b="1" baseline="30000" dirty="0"/>
-              <a:t>th</a:t>
-            </a:r>
-            <a:r>
-              <a:rPr lang="en-US" sz="2000" b="1" dirty="0"/>
-              <a:t> STOREY FLOOR PLAN</a:t>
-            </a:r>
-            <a:endParaRPr lang="en-US" sz="2000" b="1" baseline="30000" dirty="0"/>
-          </a:p>
-        </p:txBody>
-      </p:sp>
       <p:pic>
         <p:nvPicPr>
           <p:cNvPr id="5" name="Picture 4">
@@ -19142,6 +19075,73 @@
           </a:prstGeom>
         </p:spPr>
       </p:pic>
+      <p:sp>
+        <p:nvSpPr>
+          <p:cNvPr id="3" name="TextBox 2">
+            <a:extLst>
+              <a:ext uri="{FF2B5EF4-FFF2-40B4-BE49-F238E27FC236}">
+                <a16:creationId xmlns:a16="http://schemas.microsoft.com/office/drawing/2014/main" id="{8AAB0AB2-9132-EC5B-52FA-7BEDEEF3550C}"/>
+              </a:ext>
+            </a:extLst>
+          </p:cNvPr>
+          <p:cNvSpPr txBox="1"/>
+          <p:nvPr/>
+        </p:nvSpPr>
+        <p:spPr>
+          <a:xfrm>
+            <a:off x="414203" y="5980742"/>
+            <a:ext cx="5642255" cy="707886"/>
+          </a:xfrm>
+          <a:prstGeom prst="rect">
+            <a:avLst/>
+          </a:prstGeom>
+          <a:noFill/>
+        </p:spPr>
+        <p:txBody>
+          <a:bodyPr wrap="square" rtlCol="0">
+            <a:spAutoFit/>
+          </a:bodyPr>
+          <a:lstStyle/>
+          <a:p>
+            <a:r>
+              <a:rPr lang="en-US" sz="2000" b="1" dirty="0"/>
+              <a:t>Block 467</a:t>
+            </a:r>
+            <a:br>
+              <a:rPr lang="en-US" sz="2000" b="1" dirty="0"/>
+            </a:br>
+            <a:r>
+              <a:rPr lang="en-US" sz="2000" b="1" dirty="0"/>
+              <a:t>5</a:t>
+            </a:r>
+            <a:r>
+              <a:rPr lang="en-US" sz="2000" b="1" baseline="30000" dirty="0"/>
+              <a:t>th</a:t>
+            </a:r>
+            <a:r>
+              <a:rPr lang="en-US" sz="2000" b="1" dirty="0"/>
+              <a:t>, 9</a:t>
+            </a:r>
+            <a:r>
+              <a:rPr lang="en-US" sz="2000" b="1" baseline="30000" dirty="0"/>
+              <a:t>th</a:t>
+            </a:r>
+            <a:r>
+              <a:rPr lang="en-US" sz="2000" b="1" dirty="0"/>
+              <a:t> AND 13</a:t>
+            </a:r>
+            <a:r>
+              <a:rPr lang="en-US" sz="2000" b="1" baseline="30000" dirty="0"/>
+              <a:t>th</a:t>
+            </a:r>
+            <a:r>
+              <a:rPr lang="en-US" sz="2000" b="1" dirty="0"/>
+              <a:t> STOREY FLOOR PLAN</a:t>
+            </a:r>
+            <a:endParaRPr lang="en-US" sz="2000" b="1" baseline="30000" dirty="0"/>
+          </a:p>
+        </p:txBody>
+      </p:sp>
     </p:spTree>
     <p:extLst>
       <p:ext uri="{BB962C8B-B14F-4D97-AF65-F5344CB8AC3E}">
